--- a/final ppt/03-make-friends-with-your-browser.pptx
+++ b/final ppt/03-make-friends-with-your-browser.pptx
@@ -322,7 +322,7 @@
           <a:p>
             <a:fld id="{0F9C1CCF-B725-44A7-AA57-5E433BD85C9F}" type="datetimeFigureOut">
               <a:rPr lang="en-US" smtClean="0"/>
-              <a:t>8/30/2021</a:t>
+              <a:t>9/6/2021</a:t>
             </a:fld>
             <a:endParaRPr lang="en-US"/>
           </a:p>
@@ -7688,6 +7688,13 @@
       </p:transition>
     </mc:Fallback>
   </mc:AlternateContent>
+  <p:timing>
+    <p:tnLst>
+      <p:par>
+        <p:cTn id="1" dur="indefinite" restart="never" nodeType="tmRoot"/>
+      </p:par>
+    </p:tnLst>
+  </p:timing>
 </p:sld>
 </file>
 
@@ -7811,6 +7818,13 @@
       </p:transition>
     </mc:Fallback>
   </mc:AlternateContent>
+  <p:timing>
+    <p:tnLst>
+      <p:par>
+        <p:cTn id="1" dur="indefinite" restart="never" nodeType="tmRoot"/>
+      </p:par>
+    </p:tnLst>
+  </p:timing>
 </p:sld>
 </file>
 
@@ -7926,6 +7940,13 @@
       </p:transition>
     </mc:Fallback>
   </mc:AlternateContent>
+  <p:timing>
+    <p:tnLst>
+      <p:par>
+        <p:cTn id="1" dur="indefinite" restart="never" nodeType="tmRoot"/>
+      </p:par>
+    </p:tnLst>
+  </p:timing>
 </p:sld>
 </file>
 
@@ -8022,8 +8043,13 @@
             </a:pPr>
             <a:r>
               <a:rPr lang="en-GB" dirty="0"/>
-              <a:t>Hover over the icons on the top of the screen (the toolbar) and write down the words that appear on sticky notes.</a:t>
-            </a:r>
+              <a:t>Hover over the icons on the top of the screen (the toolbar) and write down the words that appear on </a:t>
+            </a:r>
+            <a:r>
+              <a:rPr lang="en-GB" dirty="0" smtClean="0"/>
+              <a:t>your whiteboards.</a:t>
+            </a:r>
+            <a:endParaRPr lang="en-GB" dirty="0"/>
           </a:p>
           <a:p>
             <a:pPr marL="342900" indent="-342900">
@@ -8102,6 +8128,13 @@
       </p:transition>
     </mc:Fallback>
   </mc:AlternateContent>
+  <p:timing>
+    <p:tnLst>
+      <p:par>
+        <p:cTn id="1" dur="indefinite" restart="never" nodeType="tmRoot"/>
+      </p:par>
+    </p:tnLst>
+  </p:timing>
 </p:sld>
 </file>
 
@@ -8172,7 +8205,21 @@
             </a:pPr>
             <a:r>
               <a:rPr lang="en-GB" dirty="0"/>
-              <a:t>Type the URL ??? into the address bar.</a:t>
+              <a:t>Type the URL </a:t>
+            </a:r>
+            <a:r>
+              <a:rPr lang="en-GB" dirty="0" smtClean="0">
+                <a:hlinkClick r:id="rId3"/>
+              </a:rPr>
+              <a:t>www.amazon.co.uk</a:t>
+            </a:r>
+            <a:r>
+              <a:rPr lang="en-GB" dirty="0" smtClean="0"/>
+              <a:t> into </a:t>
+            </a:r>
+            <a:r>
+              <a:rPr lang="en-GB" dirty="0"/>
+              <a:t>the address bar.</a:t>
             </a:r>
           </a:p>
           <a:p>
@@ -8265,6 +8312,13 @@
       </p:transition>
     </mc:Fallback>
   </mc:AlternateContent>
+  <p:timing>
+    <p:tnLst>
+      <p:par>
+        <p:cTn id="1" dur="indefinite" restart="never" nodeType="tmRoot"/>
+      </p:par>
+    </p:tnLst>
+  </p:timing>
 </p:sld>
 </file>
 
@@ -8338,13 +8392,24 @@
               <a:buChar char="•"/>
             </a:pPr>
             <a:r>
-              <a:rPr lang="en-GB" dirty="0" err="1"/>
-              <a:t>Goto</a:t>
-            </a:r>
-            <a:r>
-              <a:rPr lang="en-GB" dirty="0"/>
-              <a:t> ???</a:t>
-            </a:r>
+              <a:rPr lang="en-GB" dirty="0" smtClean="0"/>
+              <a:t>Go </a:t>
+            </a:r>
+            <a:r>
+              <a:rPr lang="en-GB" smtClean="0"/>
+              <a:t>to </a:t>
+            </a:r>
+            <a:r>
+              <a:rPr lang="en-GB" smtClean="0">
+                <a:hlinkClick r:id="rId3"/>
+              </a:rPr>
+              <a:t>sheffield.sumo-digital.com</a:t>
+            </a:r>
+            <a:r>
+              <a:rPr lang="en-GB" smtClean="0"/>
+              <a:t> </a:t>
+            </a:r>
+            <a:endParaRPr lang="en-GB" dirty="0"/>
           </a:p>
           <a:p>
             <a:pPr marL="342900" indent="-342900">
@@ -8374,8 +8439,25 @@
             <a:pPr marL="1028700" lvl="1" indent="-342900"/>
             <a:r>
               <a:rPr lang="en-GB" dirty="0"/>
-              <a:t>Go to the X page and list 3 pieces of information on this page</a:t>
-            </a:r>
+              <a:t>Go to the </a:t>
+            </a:r>
+            <a:r>
+              <a:rPr lang="en-GB" b="1" dirty="0" smtClean="0"/>
+              <a:t>about</a:t>
+            </a:r>
+            <a:r>
+              <a:rPr lang="en-GB" dirty="0" smtClean="0"/>
+              <a:t> </a:t>
+            </a:r>
+            <a:r>
+              <a:rPr lang="en-GB" dirty="0"/>
+              <a:t>page and list 3 </a:t>
+            </a:r>
+            <a:r>
+              <a:rPr lang="en-GB" dirty="0" smtClean="0"/>
+              <a:t>games made in Sheffield that you’ve heard of on this page.</a:t>
+            </a:r>
+            <a:endParaRPr lang="en-GB" dirty="0"/>
           </a:p>
           <a:p>
             <a:pPr marL="1028700" lvl="1" indent="-342900"/>
@@ -8403,6 +8485,13 @@
       </p:transition>
     </mc:Fallback>
   </mc:AlternateContent>
+  <p:timing>
+    <p:tnLst>
+      <p:par>
+        <p:cTn id="1" dur="indefinite" restart="never" nodeType="tmRoot"/>
+      </p:par>
+    </p:tnLst>
+  </p:timing>
 </p:sld>
 </file>
 
@@ -8485,6 +8574,13 @@
       </p:transition>
     </mc:Fallback>
   </mc:AlternateContent>
+  <p:timing>
+    <p:tnLst>
+      <p:par>
+        <p:cTn id="1" dur="indefinite" restart="never" nodeType="tmRoot"/>
+      </p:par>
+    </p:tnLst>
+  </p:timing>
 </p:sld>
 </file>
 
@@ -8575,6 +8671,13 @@
       </p:transition>
     </mc:Fallback>
   </mc:AlternateContent>
+  <p:timing>
+    <p:tnLst>
+      <p:par>
+        <p:cTn id="1" dur="indefinite" restart="never" nodeType="tmRoot"/>
+      </p:par>
+    </p:tnLst>
+  </p:timing>
 </p:sld>
 </file>
 
